--- a/Singular Value Powerpoints/SVD 10 Filters Snippet 4.pptx
+++ b/Singular Value Powerpoints/SVD 10 Filters Snippet 4.pptx
@@ -8,15 +8,15 @@
     <p:sldId id="257" r:id="rId5"/>
     <p:sldId id="258" r:id="rId6"/>
     <p:sldId id="259" r:id="rId7"/>
-    <p:sldId id="260" r:id="rId8"/>
-    <p:sldId id="261" r:id="rId9"/>
-    <p:sldId id="263" r:id="rId10"/>
-    <p:sldId id="264" r:id="rId11"/>
+    <p:sldId id="269" r:id="rId8"/>
+    <p:sldId id="268" r:id="rId9"/>
+    <p:sldId id="267" r:id="rId10"/>
+    <p:sldId id="266" r:id="rId11"/>
     <p:sldId id="265" r:id="rId12"/>
-    <p:sldId id="266" r:id="rId13"/>
-    <p:sldId id="267" r:id="rId14"/>
-    <p:sldId id="268" r:id="rId15"/>
-    <p:sldId id="269" r:id="rId16"/>
+    <p:sldId id="264" r:id="rId13"/>
+    <p:sldId id="263" r:id="rId14"/>
+    <p:sldId id="261" r:id="rId15"/>
+    <p:sldId id="260" r:id="rId16"/>
     <p:sldId id="270" r:id="rId17"/>
   </p:sldIdLst>
   <p:sldSz cx="12192000" cy="6858000"/>
@@ -968,7 +968,7 @@
           <a:p>
             <a:fld id="{2FAA3BAB-C8E8-4DC7-8A32-B15DF81BCF92}" type="datetimeFigureOut">
               <a:rPr lang="en-US" smtClean="0"/>
-              <a:t>4/23/2021</a:t>
+              <a:t>5/8/21</a:t>
             </a:fld>
             <a:endParaRPr lang="en-US"/>
           </a:p>
@@ -1166,7 +1166,7 @@
           <a:p>
             <a:fld id="{2FAA3BAB-C8E8-4DC7-8A32-B15DF81BCF92}" type="datetimeFigureOut">
               <a:rPr lang="en-US" smtClean="0"/>
-              <a:t>4/23/2021</a:t>
+              <a:t>5/8/21</a:t>
             </a:fld>
             <a:endParaRPr lang="en-US"/>
           </a:p>
@@ -1374,7 +1374,7 @@
           <a:p>
             <a:fld id="{2FAA3BAB-C8E8-4DC7-8A32-B15DF81BCF92}" type="datetimeFigureOut">
               <a:rPr lang="en-US" smtClean="0"/>
-              <a:t>4/23/2021</a:t>
+              <a:t>5/8/21</a:t>
             </a:fld>
             <a:endParaRPr lang="en-US"/>
           </a:p>
@@ -1572,7 +1572,7 @@
           <a:p>
             <a:fld id="{2FAA3BAB-C8E8-4DC7-8A32-B15DF81BCF92}" type="datetimeFigureOut">
               <a:rPr lang="en-US" smtClean="0"/>
-              <a:t>4/23/2021</a:t>
+              <a:t>5/8/21</a:t>
             </a:fld>
             <a:endParaRPr lang="en-US"/>
           </a:p>
@@ -1847,7 +1847,7 @@
           <a:p>
             <a:fld id="{2FAA3BAB-C8E8-4DC7-8A32-B15DF81BCF92}" type="datetimeFigureOut">
               <a:rPr lang="en-US" smtClean="0"/>
-              <a:t>4/23/2021</a:t>
+              <a:t>5/8/21</a:t>
             </a:fld>
             <a:endParaRPr lang="en-US"/>
           </a:p>
@@ -2112,7 +2112,7 @@
           <a:p>
             <a:fld id="{2FAA3BAB-C8E8-4DC7-8A32-B15DF81BCF92}" type="datetimeFigureOut">
               <a:rPr lang="en-US" smtClean="0"/>
-              <a:t>4/23/2021</a:t>
+              <a:t>5/8/21</a:t>
             </a:fld>
             <a:endParaRPr lang="en-US"/>
           </a:p>
@@ -2524,7 +2524,7 @@
           <a:p>
             <a:fld id="{2FAA3BAB-C8E8-4DC7-8A32-B15DF81BCF92}" type="datetimeFigureOut">
               <a:rPr lang="en-US" smtClean="0"/>
-              <a:t>4/23/2021</a:t>
+              <a:t>5/8/21</a:t>
             </a:fld>
             <a:endParaRPr lang="en-US"/>
           </a:p>
@@ -2665,7 +2665,7 @@
           <a:p>
             <a:fld id="{2FAA3BAB-C8E8-4DC7-8A32-B15DF81BCF92}" type="datetimeFigureOut">
               <a:rPr lang="en-US" smtClean="0"/>
-              <a:t>4/23/2021</a:t>
+              <a:t>5/8/21</a:t>
             </a:fld>
             <a:endParaRPr lang="en-US"/>
           </a:p>
@@ -2778,7 +2778,7 @@
           <a:p>
             <a:fld id="{2FAA3BAB-C8E8-4DC7-8A32-B15DF81BCF92}" type="datetimeFigureOut">
               <a:rPr lang="en-US" smtClean="0"/>
-              <a:t>4/23/2021</a:t>
+              <a:t>5/8/21</a:t>
             </a:fld>
             <a:endParaRPr lang="en-US"/>
           </a:p>
@@ -3089,7 +3089,7 @@
           <a:p>
             <a:fld id="{2FAA3BAB-C8E8-4DC7-8A32-B15DF81BCF92}" type="datetimeFigureOut">
               <a:rPr lang="en-US" smtClean="0"/>
-              <a:t>4/23/2021</a:t>
+              <a:t>5/8/21</a:t>
             </a:fld>
             <a:endParaRPr lang="en-US"/>
           </a:p>
@@ -3377,7 +3377,7 @@
           <a:p>
             <a:fld id="{2FAA3BAB-C8E8-4DC7-8A32-B15DF81BCF92}" type="datetimeFigureOut">
               <a:rPr lang="en-US" smtClean="0"/>
-              <a:t>4/23/2021</a:t>
+              <a:t>5/8/21</a:t>
             </a:fld>
             <a:endParaRPr lang="en-US"/>
           </a:p>
@@ -3618,7 +3618,7 @@
           <a:p>
             <a:fld id="{2FAA3BAB-C8E8-4DC7-8A32-B15DF81BCF92}" type="datetimeFigureOut">
               <a:rPr lang="en-US" smtClean="0"/>
-              <a:t>4/23/2021</a:t>
+              <a:t>5/8/21</a:t>
             </a:fld>
             <a:endParaRPr lang="en-US"/>
           </a:p>
@@ -4215,10 +4215,10 @@
       </p:sp>
       <p:pic>
         <p:nvPicPr>
-          <p:cNvPr id="3" name="Picture 2" descr="Chart&#10;&#10;Description automatically generated">
-            <a:extLst>
-              <a:ext uri="{FF2B5EF4-FFF2-40B4-BE49-F238E27FC236}">
-                <a16:creationId xmlns:a16="http://schemas.microsoft.com/office/drawing/2014/main" id="{7FF99A41-90DF-48D9-AA42-78FC8172BBCE}"/>
+          <p:cNvPr id="11" name="Picture 10" descr="Chart&#10;&#10;Description automatically generated">
+            <a:extLst>
+              <a:ext uri="{FF2B5EF4-FFF2-40B4-BE49-F238E27FC236}">
+                <a16:creationId xmlns:a16="http://schemas.microsoft.com/office/drawing/2014/main" id="{D8DF29AE-0907-437D-B85E-B6B915B1CCC2}"/>
               </a:ext>
             </a:extLst>
           </p:cNvPr>
@@ -4251,10 +4251,10 @@
       </p:pic>
       <p:pic>
         <p:nvPicPr>
-          <p:cNvPr id="15" name="Picture 14" descr="Chart, histogram&#10;&#10;Description automatically generated">
-            <a:extLst>
-              <a:ext uri="{FF2B5EF4-FFF2-40B4-BE49-F238E27FC236}">
-                <a16:creationId xmlns:a16="http://schemas.microsoft.com/office/drawing/2014/main" id="{4524A034-79E9-4E59-AB43-F6E229C3C1F6}"/>
+          <p:cNvPr id="16" name="Picture 15" descr="Chart, histogram&#10;&#10;Description automatically generated">
+            <a:extLst>
+              <a:ext uri="{FF2B5EF4-FFF2-40B4-BE49-F238E27FC236}">
+                <a16:creationId xmlns:a16="http://schemas.microsoft.com/office/drawing/2014/main" id="{167B4F6F-0C24-4620-B874-960A55D34719}"/>
               </a:ext>
             </a:extLst>
           </p:cNvPr>
@@ -4287,10 +4287,10 @@
       </p:pic>
       <p:pic>
         <p:nvPicPr>
-          <p:cNvPr id="17" name="Picture 16" descr="Chart, line chart&#10;&#10;Description automatically generated">
-            <a:extLst>
-              <a:ext uri="{FF2B5EF4-FFF2-40B4-BE49-F238E27FC236}">
-                <a16:creationId xmlns:a16="http://schemas.microsoft.com/office/drawing/2014/main" id="{1EF1D000-CE6E-4044-97F0-DB2ECBF7B067}"/>
+          <p:cNvPr id="17" name="Picture 16" descr="Chart&#10;&#10;Description automatically generated">
+            <a:extLst>
+              <a:ext uri="{FF2B5EF4-FFF2-40B4-BE49-F238E27FC236}">
+                <a16:creationId xmlns:a16="http://schemas.microsoft.com/office/drawing/2014/main" id="{3ABF1AFE-BFB6-4603-B4FB-9EBF5773F1B1}"/>
               </a:ext>
             </a:extLst>
           </p:cNvPr>
@@ -4326,7 +4326,7 @@
           <p:cNvPr id="19" name="Rectangle 18">
             <a:extLst>
               <a:ext uri="{FF2B5EF4-FFF2-40B4-BE49-F238E27FC236}">
-                <a16:creationId xmlns:a16="http://schemas.microsoft.com/office/drawing/2014/main" id="{E3940AB4-29B5-4E15-82FF-C22179791F08}"/>
+                <a16:creationId xmlns:a16="http://schemas.microsoft.com/office/drawing/2014/main" id="{40E8E8A5-2223-48DE-B248-DC225FA63792}"/>
               </a:ext>
             </a:extLst>
           </p:cNvPr>
@@ -4376,7 +4376,7 @@
     </p:spTree>
     <p:extLst>
       <p:ext uri="{BB962C8B-B14F-4D97-AF65-F5344CB8AC3E}">
-        <p14:creationId xmlns:p14="http://schemas.microsoft.com/office/powerpoint/2010/main" val="2886163851"/>
+        <p14:creationId xmlns:p14="http://schemas.microsoft.com/office/powerpoint/2010/main" val="1286968106"/>
       </p:ext>
     </p:extLst>
   </p:cSld>
@@ -4438,10 +4438,10 @@
       </p:sp>
       <p:pic>
         <p:nvPicPr>
-          <p:cNvPr id="3" name="Picture 2" descr="Chart, histogram&#10;&#10;Description automatically generated">
-            <a:extLst>
-              <a:ext uri="{FF2B5EF4-FFF2-40B4-BE49-F238E27FC236}">
-                <a16:creationId xmlns:a16="http://schemas.microsoft.com/office/drawing/2014/main" id="{D18F98AF-6D9D-439C-B126-20E24BB7B489}"/>
+          <p:cNvPr id="13" name="Picture 12" descr="Chart, histogram&#10;&#10;Description automatically generated">
+            <a:extLst>
+              <a:ext uri="{FF2B5EF4-FFF2-40B4-BE49-F238E27FC236}">
+                <a16:creationId xmlns:a16="http://schemas.microsoft.com/office/drawing/2014/main" id="{AAB789F9-EF5E-4C76-8981-4BABEF2DD8E6}"/>
               </a:ext>
             </a:extLst>
           </p:cNvPr>
@@ -4474,10 +4474,10 @@
       </p:pic>
       <p:pic>
         <p:nvPicPr>
-          <p:cNvPr id="15" name="Picture 14" descr="Chart, histogram&#10;&#10;Description automatically generated">
-            <a:extLst>
-              <a:ext uri="{FF2B5EF4-FFF2-40B4-BE49-F238E27FC236}">
-                <a16:creationId xmlns:a16="http://schemas.microsoft.com/office/drawing/2014/main" id="{B517A912-C9F6-4502-BB5D-14AE7300D5DB}"/>
+          <p:cNvPr id="19" name="Picture 18" descr="Chart, histogram&#10;&#10;Description automatically generated">
+            <a:extLst>
+              <a:ext uri="{FF2B5EF4-FFF2-40B4-BE49-F238E27FC236}">
+                <a16:creationId xmlns:a16="http://schemas.microsoft.com/office/drawing/2014/main" id="{3C891E07-0B52-4C9D-B745-09CD08D997B2}"/>
               </a:ext>
             </a:extLst>
           </p:cNvPr>
@@ -4510,10 +4510,10 @@
       </p:pic>
       <p:pic>
         <p:nvPicPr>
-          <p:cNvPr id="17" name="Picture 16" descr="Chart&#10;&#10;Description automatically generated">
-            <a:extLst>
-              <a:ext uri="{FF2B5EF4-FFF2-40B4-BE49-F238E27FC236}">
-                <a16:creationId xmlns:a16="http://schemas.microsoft.com/office/drawing/2014/main" id="{83E062E0-196E-485F-9DEE-583DEB6AA023}"/>
+          <p:cNvPr id="12" name="Picture 11" descr="Chart&#10;&#10;Description automatically generated">
+            <a:extLst>
+              <a:ext uri="{FF2B5EF4-FFF2-40B4-BE49-F238E27FC236}">
+                <a16:creationId xmlns:a16="http://schemas.microsoft.com/office/drawing/2014/main" id="{365577FD-1727-4DAC-B95E-BDBE5EDA1C6A}"/>
               </a:ext>
             </a:extLst>
           </p:cNvPr>
@@ -4546,10 +4546,10 @@
       </p:pic>
       <p:sp>
         <p:nvSpPr>
-          <p:cNvPr id="20" name="Rectangle 19">
-            <a:extLst>
-              <a:ext uri="{FF2B5EF4-FFF2-40B4-BE49-F238E27FC236}">
-                <a16:creationId xmlns:a16="http://schemas.microsoft.com/office/drawing/2014/main" id="{AB566266-B4B7-4712-A84D-4D43EB123DFD}"/>
+          <p:cNvPr id="22" name="Rectangle 21">
+            <a:extLst>
+              <a:ext uri="{FF2B5EF4-FFF2-40B4-BE49-F238E27FC236}">
+                <a16:creationId xmlns:a16="http://schemas.microsoft.com/office/drawing/2014/main" id="{A40DE6B1-0B59-4DF4-A40F-CD395542242E}"/>
               </a:ext>
             </a:extLst>
           </p:cNvPr>
@@ -4596,86 +4596,10 @@
           </a:p>
         </p:txBody>
       </p:sp>
-      <p:sp>
-        <p:nvSpPr>
-          <p:cNvPr id="21" name="TextBox 20">
-            <a:extLst>
-              <a:ext uri="{FF2B5EF4-FFF2-40B4-BE49-F238E27FC236}">
-                <a16:creationId xmlns:a16="http://schemas.microsoft.com/office/drawing/2014/main" id="{3F061499-AD01-4D8C-80A3-64EDD516C121}"/>
-              </a:ext>
-            </a:extLst>
-          </p:cNvPr>
-          <p:cNvSpPr txBox="1"/>
-          <p:nvPr/>
-        </p:nvSpPr>
-        <p:spPr>
-          <a:xfrm>
-            <a:off x="2752077" y="3669396"/>
-            <a:ext cx="1269507" cy="646331"/>
-          </a:xfrm>
-          <a:prstGeom prst="rect">
-            <a:avLst/>
-          </a:prstGeom>
-          <a:noFill/>
-        </p:spPr>
-        <p:txBody>
-          <a:bodyPr wrap="square" rtlCol="0">
-            <a:spAutoFit/>
-          </a:bodyPr>
-          <a:lstStyle/>
-          <a:p>
-            <a:r>
-              <a:rPr lang="en-US" dirty="0"/>
-              <a:t>Nuisance or SOI?</a:t>
-            </a:r>
-          </a:p>
-        </p:txBody>
-      </p:sp>
-      <p:cxnSp>
-        <p:nvCxnSpPr>
-          <p:cNvPr id="23" name="Straight Arrow Connector 22">
-            <a:extLst>
-              <a:ext uri="{FF2B5EF4-FFF2-40B4-BE49-F238E27FC236}">
-                <a16:creationId xmlns:a16="http://schemas.microsoft.com/office/drawing/2014/main" id="{024B516D-E5EE-4F63-B887-2F368FF1E5AD}"/>
-              </a:ext>
-            </a:extLst>
-          </p:cNvPr>
-          <p:cNvCxnSpPr>
-            <a:cxnSpLocks/>
-          </p:cNvCxnSpPr>
-          <p:nvPr/>
-        </p:nvCxnSpPr>
-        <p:spPr>
-          <a:xfrm>
-            <a:off x="3231472" y="4315727"/>
-            <a:ext cx="479394" cy="345050"/>
-          </a:xfrm>
-          <a:prstGeom prst="straightConnector1">
-            <a:avLst/>
-          </a:prstGeom>
-          <a:ln w="38100">
-            <a:tailEnd type="triangle"/>
-          </a:ln>
-        </p:spPr>
-        <p:style>
-          <a:lnRef idx="1">
-            <a:schemeClr val="accent1"/>
-          </a:lnRef>
-          <a:fillRef idx="0">
-            <a:schemeClr val="accent1"/>
-          </a:fillRef>
-          <a:effectRef idx="0">
-            <a:schemeClr val="accent1"/>
-          </a:effectRef>
-          <a:fontRef idx="minor">
-            <a:schemeClr val="tx1"/>
-          </a:fontRef>
-        </p:style>
-      </p:cxnSp>
     </p:spTree>
     <p:extLst>
       <p:ext uri="{BB962C8B-B14F-4D97-AF65-F5344CB8AC3E}">
-        <p14:creationId xmlns:p14="http://schemas.microsoft.com/office/powerpoint/2010/main" val="1567104307"/>
+        <p14:creationId xmlns:p14="http://schemas.microsoft.com/office/powerpoint/2010/main" val="2576847802"/>
       </p:ext>
     </p:extLst>
   </p:cSld>
@@ -4737,10 +4661,10 @@
       </p:sp>
       <p:pic>
         <p:nvPicPr>
-          <p:cNvPr id="3" name="Picture 2" descr="Chart&#10;&#10;Description automatically generated with low confidence">
-            <a:extLst>
-              <a:ext uri="{FF2B5EF4-FFF2-40B4-BE49-F238E27FC236}">
-                <a16:creationId xmlns:a16="http://schemas.microsoft.com/office/drawing/2014/main" id="{5D16902A-475E-4475-80B0-6DF01292F269}"/>
+          <p:cNvPr id="13" name="Picture 12" descr="Chart&#10;&#10;Description automatically generated">
+            <a:extLst>
+              <a:ext uri="{FF2B5EF4-FFF2-40B4-BE49-F238E27FC236}">
+                <a16:creationId xmlns:a16="http://schemas.microsoft.com/office/drawing/2014/main" id="{85B0F5D5-74D6-400A-A2DB-195479ACF484}"/>
               </a:ext>
             </a:extLst>
           </p:cNvPr>
@@ -4763,7 +4687,7 @@
         </p:blipFill>
         <p:spPr>
           <a:xfrm>
-            <a:off x="7089059" y="3772002"/>
+            <a:off x="7089059" y="3736462"/>
             <a:ext cx="3974592" cy="2980944"/>
           </a:xfrm>
           <a:prstGeom prst="rect">
@@ -4773,10 +4697,10 @@
       </p:pic>
       <p:pic>
         <p:nvPicPr>
-          <p:cNvPr id="19" name="Picture 18" descr="Chart, histogram&#10;&#10;Description automatically generated">
-            <a:extLst>
-              <a:ext uri="{FF2B5EF4-FFF2-40B4-BE49-F238E27FC236}">
-                <a16:creationId xmlns:a16="http://schemas.microsoft.com/office/drawing/2014/main" id="{91A608AA-D000-4CAF-A8D6-338DA4C41337}"/>
+          <p:cNvPr id="16" name="Picture 15" descr="Chart, histogram&#10;&#10;Description automatically generated">
+            <a:extLst>
+              <a:ext uri="{FF2B5EF4-FFF2-40B4-BE49-F238E27FC236}">
+                <a16:creationId xmlns:a16="http://schemas.microsoft.com/office/drawing/2014/main" id="{2E7BDA60-3496-4BBC-8C01-B5E88BBABD89}"/>
               </a:ext>
             </a:extLst>
           </p:cNvPr>
@@ -4809,10 +4733,10 @@
       </p:pic>
       <p:pic>
         <p:nvPicPr>
-          <p:cNvPr id="21" name="Picture 20" descr="Chart, line chart&#10;&#10;Description automatically generated">
-            <a:extLst>
-              <a:ext uri="{FF2B5EF4-FFF2-40B4-BE49-F238E27FC236}">
-                <a16:creationId xmlns:a16="http://schemas.microsoft.com/office/drawing/2014/main" id="{8991F9BB-03A9-4C4E-AA94-5D675CBDDBA4}"/>
+          <p:cNvPr id="17" name="Picture 16">
+            <a:extLst>
+              <a:ext uri="{FF2B5EF4-FFF2-40B4-BE49-F238E27FC236}">
+                <a16:creationId xmlns:a16="http://schemas.microsoft.com/office/drawing/2014/main" id="{1E94DA7A-46C4-4A11-A900-8E9653D4A547}"/>
               </a:ext>
             </a:extLst>
           </p:cNvPr>
@@ -4845,10 +4769,10 @@
       </p:pic>
       <p:sp>
         <p:nvSpPr>
-          <p:cNvPr id="23" name="Rectangle 22">
-            <a:extLst>
-              <a:ext uri="{FF2B5EF4-FFF2-40B4-BE49-F238E27FC236}">
-                <a16:creationId xmlns:a16="http://schemas.microsoft.com/office/drawing/2014/main" id="{CDE0878F-9B2A-477A-B4D6-A165D358BF8D}"/>
+          <p:cNvPr id="20" name="Rectangle 19">
+            <a:extLst>
+              <a:ext uri="{FF2B5EF4-FFF2-40B4-BE49-F238E27FC236}">
+                <a16:creationId xmlns:a16="http://schemas.microsoft.com/office/drawing/2014/main" id="{E0691235-5DD7-4998-8A1A-6C98B62DA39A}"/>
               </a:ext>
             </a:extLst>
           </p:cNvPr>
@@ -4895,164 +4819,10 @@
           </a:p>
         </p:txBody>
       </p:sp>
-      <p:sp>
-        <p:nvSpPr>
-          <p:cNvPr id="24" name="TextBox 23">
-            <a:extLst>
-              <a:ext uri="{FF2B5EF4-FFF2-40B4-BE49-F238E27FC236}">
-                <a16:creationId xmlns:a16="http://schemas.microsoft.com/office/drawing/2014/main" id="{0902BDCA-3AD6-40A9-B36F-0B1AD08E1B97}"/>
-              </a:ext>
-            </a:extLst>
-          </p:cNvPr>
-          <p:cNvSpPr txBox="1"/>
-          <p:nvPr/>
-        </p:nvSpPr>
-        <p:spPr>
-          <a:xfrm>
-            <a:off x="3444535" y="5623203"/>
-            <a:ext cx="727969" cy="369332"/>
-          </a:xfrm>
-          <a:prstGeom prst="rect">
-            <a:avLst/>
-          </a:prstGeom>
-          <a:noFill/>
-        </p:spPr>
-        <p:txBody>
-          <a:bodyPr wrap="square" rtlCol="0">
-            <a:spAutoFit/>
-          </a:bodyPr>
-          <a:lstStyle/>
-          <a:p>
-            <a:r>
-              <a:rPr lang="en-US" dirty="0"/>
-              <a:t>SOI</a:t>
-            </a:r>
-          </a:p>
-        </p:txBody>
-      </p:sp>
-      <p:cxnSp>
-        <p:nvCxnSpPr>
-          <p:cNvPr id="25" name="Straight Arrow Connector 24">
-            <a:extLst>
-              <a:ext uri="{FF2B5EF4-FFF2-40B4-BE49-F238E27FC236}">
-                <a16:creationId xmlns:a16="http://schemas.microsoft.com/office/drawing/2014/main" id="{94138A5D-7FB0-4F46-931D-1AD791BFC4CE}"/>
-              </a:ext>
-            </a:extLst>
-          </p:cNvPr>
-          <p:cNvCxnSpPr/>
-          <p:nvPr/>
-        </p:nvCxnSpPr>
-        <p:spPr>
-          <a:xfrm flipV="1">
-            <a:off x="3693110" y="5235842"/>
-            <a:ext cx="0" cy="470516"/>
-          </a:xfrm>
-          <a:prstGeom prst="straightConnector1">
-            <a:avLst/>
-          </a:prstGeom>
-          <a:ln w="38100">
-            <a:tailEnd type="triangle"/>
-          </a:ln>
-        </p:spPr>
-        <p:style>
-          <a:lnRef idx="1">
-            <a:schemeClr val="accent1"/>
-          </a:lnRef>
-          <a:fillRef idx="0">
-            <a:schemeClr val="accent1"/>
-          </a:fillRef>
-          <a:effectRef idx="0">
-            <a:schemeClr val="accent1"/>
-          </a:effectRef>
-          <a:fontRef idx="minor">
-            <a:schemeClr val="tx1"/>
-          </a:fontRef>
-        </p:style>
-      </p:cxnSp>
-      <p:sp>
-        <p:nvSpPr>
-          <p:cNvPr id="26" name="Right Brace 25">
-            <a:extLst>
-              <a:ext uri="{FF2B5EF4-FFF2-40B4-BE49-F238E27FC236}">
-                <a16:creationId xmlns:a16="http://schemas.microsoft.com/office/drawing/2014/main" id="{0460C5EB-CC57-408D-805D-970B7F727A56}"/>
-              </a:ext>
-            </a:extLst>
-          </p:cNvPr>
-          <p:cNvSpPr/>
-          <p:nvPr/>
-        </p:nvSpPr>
-        <p:spPr>
-          <a:xfrm>
-            <a:off x="5672831" y="2112885"/>
-            <a:ext cx="603682" cy="2095131"/>
-          </a:xfrm>
-          <a:prstGeom prst="rightBrace">
-            <a:avLst/>
-          </a:prstGeom>
-          <a:ln w="38100"/>
-        </p:spPr>
-        <p:style>
-          <a:lnRef idx="1">
-            <a:schemeClr val="accent1"/>
-          </a:lnRef>
-          <a:fillRef idx="0">
-            <a:schemeClr val="accent1"/>
-          </a:fillRef>
-          <a:effectRef idx="0">
-            <a:schemeClr val="accent1"/>
-          </a:effectRef>
-          <a:fontRef idx="minor">
-            <a:schemeClr val="tx1"/>
-          </a:fontRef>
-        </p:style>
-        <p:txBody>
-          <a:bodyPr rtlCol="0" anchor="ctr"/>
-          <a:lstStyle/>
-          <a:p>
-            <a:pPr algn="ctr"/>
-            <a:endParaRPr lang="en-US"/>
-          </a:p>
-        </p:txBody>
-      </p:sp>
-      <p:sp>
-        <p:nvSpPr>
-          <p:cNvPr id="27" name="TextBox 26">
-            <a:extLst>
-              <a:ext uri="{FF2B5EF4-FFF2-40B4-BE49-F238E27FC236}">
-                <a16:creationId xmlns:a16="http://schemas.microsoft.com/office/drawing/2014/main" id="{9C60C3C9-D60F-4202-AD54-4F557D1D1D15}"/>
-              </a:ext>
-            </a:extLst>
-          </p:cNvPr>
-          <p:cNvSpPr txBox="1"/>
-          <p:nvPr/>
-        </p:nvSpPr>
-        <p:spPr>
-          <a:xfrm>
-            <a:off x="6325270" y="2831360"/>
-            <a:ext cx="1035038" cy="646331"/>
-          </a:xfrm>
-          <a:prstGeom prst="rect">
-            <a:avLst/>
-          </a:prstGeom>
-          <a:noFill/>
-        </p:spPr>
-        <p:txBody>
-          <a:bodyPr wrap="square" rtlCol="0">
-            <a:spAutoFit/>
-          </a:bodyPr>
-          <a:lstStyle/>
-          <a:p>
-            <a:r>
-              <a:rPr lang="en-US" dirty="0"/>
-              <a:t>Nuisance Signals</a:t>
-            </a:r>
-          </a:p>
-        </p:txBody>
-      </p:sp>
     </p:spTree>
     <p:extLst>
       <p:ext uri="{BB962C8B-B14F-4D97-AF65-F5344CB8AC3E}">
-        <p14:creationId xmlns:p14="http://schemas.microsoft.com/office/powerpoint/2010/main" val="629351490"/>
+        <p14:creationId xmlns:p14="http://schemas.microsoft.com/office/powerpoint/2010/main" val="482760846"/>
       </p:ext>
     </p:extLst>
   </p:cSld>
@@ -5137,7 +4907,7 @@
             <a:pPr lvl="1"/>
             <a:r>
               <a:rPr lang="en-US" dirty="0"/>
-              <a:t>SOI can be seen in the SVD of Filters 1 and 10</a:t>
+              <a:t>SOI can be seen in the singular values of Filters 1 and 10</a:t>
             </a:r>
           </a:p>
           <a:p>
@@ -5150,15 +4920,19 @@
           <a:p>
             <a:pPr lvl="1"/>
             <a:r>
+              <a:rPr lang="en-US"/>
+              <a:t>Filters 3, 4, 8, 9, and 10 show </a:t>
+            </a:r>
+            <a:r>
               <a:rPr lang="en-US" dirty="0"/>
-              <a:t>Filter 8-9 show the SVD of the diagonal signal and another nuisance signal</a:t>
+              <a:t>the singular values of the LFM signal </a:t>
             </a:r>
           </a:p>
           <a:p>
             <a:pPr lvl="1"/>
             <a:r>
               <a:rPr lang="en-US" dirty="0"/>
-              <a:t>Filters 4-7 is just random noise</a:t>
+              <a:t>Filters 5-8 is just random noise</a:t>
             </a:r>
           </a:p>
           <a:p>
@@ -5568,19 +5342,13 @@
           <a:p>
             <a:r>
               <a:rPr lang="en-US" sz="1800" dirty="0"/>
-              <a:t>Waterfall plot of Snippet 14</a:t>
+              <a:t>Waterfall plot of Sensor 1 of Snippet 4</a:t>
             </a:r>
           </a:p>
           <a:p>
             <a:r>
               <a:rPr lang="en-US" sz="1800" dirty="0"/>
-              <a:t>No SVD removal</a:t>
-            </a:r>
-          </a:p>
-          <a:p>
-            <a:r>
-              <a:rPr lang="en-US" sz="1800" dirty="0"/>
-              <a:t>No modification</a:t>
+              <a:t>Unprocessed data</a:t>
             </a:r>
           </a:p>
           <a:p>
@@ -5960,10 +5728,10 @@
       </p:sp>
       <p:pic>
         <p:nvPicPr>
-          <p:cNvPr id="13" name="Picture 12" descr="Chart&#10;&#10;Description automatically generated">
-            <a:extLst>
-              <a:ext uri="{FF2B5EF4-FFF2-40B4-BE49-F238E27FC236}">
-                <a16:creationId xmlns:a16="http://schemas.microsoft.com/office/drawing/2014/main" id="{85B0F5D5-74D6-400A-A2DB-195479ACF484}"/>
+          <p:cNvPr id="3" name="Picture 2" descr="Chart&#10;&#10;Description automatically generated with low confidence">
+            <a:extLst>
+              <a:ext uri="{FF2B5EF4-FFF2-40B4-BE49-F238E27FC236}">
+                <a16:creationId xmlns:a16="http://schemas.microsoft.com/office/drawing/2014/main" id="{5D16902A-475E-4475-80B0-6DF01292F269}"/>
               </a:ext>
             </a:extLst>
           </p:cNvPr>
@@ -5986,7 +5754,7 @@
         </p:blipFill>
         <p:spPr>
           <a:xfrm>
-            <a:off x="7089059" y="3736462"/>
+            <a:off x="7089059" y="3772002"/>
             <a:ext cx="3974592" cy="2980944"/>
           </a:xfrm>
           <a:prstGeom prst="rect">
@@ -5996,10 +5764,10 @@
       </p:pic>
       <p:pic>
         <p:nvPicPr>
-          <p:cNvPr id="16" name="Picture 15" descr="Chart, histogram&#10;&#10;Description automatically generated">
-            <a:extLst>
-              <a:ext uri="{FF2B5EF4-FFF2-40B4-BE49-F238E27FC236}">
-                <a16:creationId xmlns:a16="http://schemas.microsoft.com/office/drawing/2014/main" id="{2E7BDA60-3496-4BBC-8C01-B5E88BBABD89}"/>
+          <p:cNvPr id="19" name="Picture 18" descr="Chart, histogram&#10;&#10;Description automatically generated">
+            <a:extLst>
+              <a:ext uri="{FF2B5EF4-FFF2-40B4-BE49-F238E27FC236}">
+                <a16:creationId xmlns:a16="http://schemas.microsoft.com/office/drawing/2014/main" id="{91A608AA-D000-4CAF-A8D6-338DA4C41337}"/>
               </a:ext>
             </a:extLst>
           </p:cNvPr>
@@ -6032,10 +5800,10 @@
       </p:pic>
       <p:pic>
         <p:nvPicPr>
-          <p:cNvPr id="17" name="Picture 16">
-            <a:extLst>
-              <a:ext uri="{FF2B5EF4-FFF2-40B4-BE49-F238E27FC236}">
-                <a16:creationId xmlns:a16="http://schemas.microsoft.com/office/drawing/2014/main" id="{1E94DA7A-46C4-4A11-A900-8E9653D4A547}"/>
+          <p:cNvPr id="21" name="Picture 20" descr="Chart, line chart&#10;&#10;Description automatically generated">
+            <a:extLst>
+              <a:ext uri="{FF2B5EF4-FFF2-40B4-BE49-F238E27FC236}">
+                <a16:creationId xmlns:a16="http://schemas.microsoft.com/office/drawing/2014/main" id="{8991F9BB-03A9-4C4E-AA94-5D675CBDDBA4}"/>
               </a:ext>
             </a:extLst>
           </p:cNvPr>
@@ -6068,10 +5836,10 @@
       </p:pic>
       <p:sp>
         <p:nvSpPr>
-          <p:cNvPr id="20" name="Rectangle 19">
-            <a:extLst>
-              <a:ext uri="{FF2B5EF4-FFF2-40B4-BE49-F238E27FC236}">
-                <a16:creationId xmlns:a16="http://schemas.microsoft.com/office/drawing/2014/main" id="{E0691235-5DD7-4998-8A1A-6C98B62DA39A}"/>
+          <p:cNvPr id="23" name="Rectangle 22">
+            <a:extLst>
+              <a:ext uri="{FF2B5EF4-FFF2-40B4-BE49-F238E27FC236}">
+                <a16:creationId xmlns:a16="http://schemas.microsoft.com/office/drawing/2014/main" id="{CDE0878F-9B2A-477A-B4D6-A165D358BF8D}"/>
               </a:ext>
             </a:extLst>
           </p:cNvPr>
@@ -6118,10 +5886,164 @@
           </a:p>
         </p:txBody>
       </p:sp>
+      <p:sp>
+        <p:nvSpPr>
+          <p:cNvPr id="24" name="TextBox 23">
+            <a:extLst>
+              <a:ext uri="{FF2B5EF4-FFF2-40B4-BE49-F238E27FC236}">
+                <a16:creationId xmlns:a16="http://schemas.microsoft.com/office/drawing/2014/main" id="{0902BDCA-3AD6-40A9-B36F-0B1AD08E1B97}"/>
+              </a:ext>
+            </a:extLst>
+          </p:cNvPr>
+          <p:cNvSpPr txBox="1"/>
+          <p:nvPr/>
+        </p:nvSpPr>
+        <p:spPr>
+          <a:xfrm>
+            <a:off x="3444535" y="5623203"/>
+            <a:ext cx="727969" cy="369332"/>
+          </a:xfrm>
+          <a:prstGeom prst="rect">
+            <a:avLst/>
+          </a:prstGeom>
+          <a:noFill/>
+        </p:spPr>
+        <p:txBody>
+          <a:bodyPr wrap="square" rtlCol="0">
+            <a:spAutoFit/>
+          </a:bodyPr>
+          <a:lstStyle/>
+          <a:p>
+            <a:r>
+              <a:rPr lang="en-US" dirty="0"/>
+              <a:t>SOI</a:t>
+            </a:r>
+          </a:p>
+        </p:txBody>
+      </p:sp>
+      <p:cxnSp>
+        <p:nvCxnSpPr>
+          <p:cNvPr id="25" name="Straight Arrow Connector 24">
+            <a:extLst>
+              <a:ext uri="{FF2B5EF4-FFF2-40B4-BE49-F238E27FC236}">
+                <a16:creationId xmlns:a16="http://schemas.microsoft.com/office/drawing/2014/main" id="{94138A5D-7FB0-4F46-931D-1AD791BFC4CE}"/>
+              </a:ext>
+            </a:extLst>
+          </p:cNvPr>
+          <p:cNvCxnSpPr/>
+          <p:nvPr/>
+        </p:nvCxnSpPr>
+        <p:spPr>
+          <a:xfrm flipV="1">
+            <a:off x="3693110" y="5235842"/>
+            <a:ext cx="0" cy="470516"/>
+          </a:xfrm>
+          <a:prstGeom prst="straightConnector1">
+            <a:avLst/>
+          </a:prstGeom>
+          <a:ln w="38100">
+            <a:tailEnd type="triangle"/>
+          </a:ln>
+        </p:spPr>
+        <p:style>
+          <a:lnRef idx="1">
+            <a:schemeClr val="accent1"/>
+          </a:lnRef>
+          <a:fillRef idx="0">
+            <a:schemeClr val="accent1"/>
+          </a:fillRef>
+          <a:effectRef idx="0">
+            <a:schemeClr val="accent1"/>
+          </a:effectRef>
+          <a:fontRef idx="minor">
+            <a:schemeClr val="tx1"/>
+          </a:fontRef>
+        </p:style>
+      </p:cxnSp>
+      <p:sp>
+        <p:nvSpPr>
+          <p:cNvPr id="26" name="Right Brace 25">
+            <a:extLst>
+              <a:ext uri="{FF2B5EF4-FFF2-40B4-BE49-F238E27FC236}">
+                <a16:creationId xmlns:a16="http://schemas.microsoft.com/office/drawing/2014/main" id="{0460C5EB-CC57-408D-805D-970B7F727A56}"/>
+              </a:ext>
+            </a:extLst>
+          </p:cNvPr>
+          <p:cNvSpPr/>
+          <p:nvPr/>
+        </p:nvSpPr>
+        <p:spPr>
+          <a:xfrm>
+            <a:off x="5672831" y="2112885"/>
+            <a:ext cx="603682" cy="2095131"/>
+          </a:xfrm>
+          <a:prstGeom prst="rightBrace">
+            <a:avLst/>
+          </a:prstGeom>
+          <a:ln w="38100"/>
+        </p:spPr>
+        <p:style>
+          <a:lnRef idx="1">
+            <a:schemeClr val="accent1"/>
+          </a:lnRef>
+          <a:fillRef idx="0">
+            <a:schemeClr val="accent1"/>
+          </a:fillRef>
+          <a:effectRef idx="0">
+            <a:schemeClr val="accent1"/>
+          </a:effectRef>
+          <a:fontRef idx="minor">
+            <a:schemeClr val="tx1"/>
+          </a:fontRef>
+        </p:style>
+        <p:txBody>
+          <a:bodyPr rtlCol="0" anchor="ctr"/>
+          <a:lstStyle/>
+          <a:p>
+            <a:pPr algn="ctr"/>
+            <a:endParaRPr lang="en-US"/>
+          </a:p>
+        </p:txBody>
+      </p:sp>
+      <p:sp>
+        <p:nvSpPr>
+          <p:cNvPr id="27" name="TextBox 26">
+            <a:extLst>
+              <a:ext uri="{FF2B5EF4-FFF2-40B4-BE49-F238E27FC236}">
+                <a16:creationId xmlns:a16="http://schemas.microsoft.com/office/drawing/2014/main" id="{9C60C3C9-D60F-4202-AD54-4F557D1D1D15}"/>
+              </a:ext>
+            </a:extLst>
+          </p:cNvPr>
+          <p:cNvSpPr txBox="1"/>
+          <p:nvPr/>
+        </p:nvSpPr>
+        <p:spPr>
+          <a:xfrm>
+            <a:off x="6325270" y="2831360"/>
+            <a:ext cx="1035038" cy="646331"/>
+          </a:xfrm>
+          <a:prstGeom prst="rect">
+            <a:avLst/>
+          </a:prstGeom>
+          <a:noFill/>
+        </p:spPr>
+        <p:txBody>
+          <a:bodyPr wrap="square" rtlCol="0">
+            <a:spAutoFit/>
+          </a:bodyPr>
+          <a:lstStyle/>
+          <a:p>
+            <a:r>
+              <a:rPr lang="en-US" dirty="0"/>
+              <a:t>Nuisance Signals</a:t>
+            </a:r>
+          </a:p>
+        </p:txBody>
+      </p:sp>
     </p:spTree>
     <p:extLst>
       <p:ext uri="{BB962C8B-B14F-4D97-AF65-F5344CB8AC3E}">
-        <p14:creationId xmlns:p14="http://schemas.microsoft.com/office/powerpoint/2010/main" val="482760846"/>
+        <p14:creationId xmlns:p14="http://schemas.microsoft.com/office/powerpoint/2010/main" val="629351490"/>
       </p:ext>
     </p:extLst>
   </p:cSld>
@@ -6183,10 +6105,10 @@
       </p:sp>
       <p:pic>
         <p:nvPicPr>
-          <p:cNvPr id="13" name="Picture 12" descr="Chart, histogram&#10;&#10;Description automatically generated">
-            <a:extLst>
-              <a:ext uri="{FF2B5EF4-FFF2-40B4-BE49-F238E27FC236}">
-                <a16:creationId xmlns:a16="http://schemas.microsoft.com/office/drawing/2014/main" id="{AAB789F9-EF5E-4C76-8981-4BABEF2DD8E6}"/>
+          <p:cNvPr id="3" name="Picture 2" descr="Chart, histogram&#10;&#10;Description automatically generated">
+            <a:extLst>
+              <a:ext uri="{FF2B5EF4-FFF2-40B4-BE49-F238E27FC236}">
+                <a16:creationId xmlns:a16="http://schemas.microsoft.com/office/drawing/2014/main" id="{D18F98AF-6D9D-439C-B126-20E24BB7B489}"/>
               </a:ext>
             </a:extLst>
           </p:cNvPr>
@@ -6219,10 +6141,10 @@
       </p:pic>
       <p:pic>
         <p:nvPicPr>
-          <p:cNvPr id="19" name="Picture 18" descr="Chart, histogram&#10;&#10;Description automatically generated">
-            <a:extLst>
-              <a:ext uri="{FF2B5EF4-FFF2-40B4-BE49-F238E27FC236}">
-                <a16:creationId xmlns:a16="http://schemas.microsoft.com/office/drawing/2014/main" id="{3C891E07-0B52-4C9D-B745-09CD08D997B2}"/>
+          <p:cNvPr id="15" name="Picture 14" descr="Chart, histogram&#10;&#10;Description automatically generated">
+            <a:extLst>
+              <a:ext uri="{FF2B5EF4-FFF2-40B4-BE49-F238E27FC236}">
+                <a16:creationId xmlns:a16="http://schemas.microsoft.com/office/drawing/2014/main" id="{B517A912-C9F6-4502-BB5D-14AE7300D5DB}"/>
               </a:ext>
             </a:extLst>
           </p:cNvPr>
@@ -6255,10 +6177,10 @@
       </p:pic>
       <p:pic>
         <p:nvPicPr>
-          <p:cNvPr id="12" name="Picture 11" descr="Chart&#10;&#10;Description automatically generated">
-            <a:extLst>
-              <a:ext uri="{FF2B5EF4-FFF2-40B4-BE49-F238E27FC236}">
-                <a16:creationId xmlns:a16="http://schemas.microsoft.com/office/drawing/2014/main" id="{365577FD-1727-4DAC-B95E-BDBE5EDA1C6A}"/>
+          <p:cNvPr id="17" name="Picture 16" descr="Chart&#10;&#10;Description automatically generated">
+            <a:extLst>
+              <a:ext uri="{FF2B5EF4-FFF2-40B4-BE49-F238E27FC236}">
+                <a16:creationId xmlns:a16="http://schemas.microsoft.com/office/drawing/2014/main" id="{83E062E0-196E-485F-9DEE-583DEB6AA023}"/>
               </a:ext>
             </a:extLst>
           </p:cNvPr>
@@ -6291,10 +6213,10 @@
       </p:pic>
       <p:sp>
         <p:nvSpPr>
-          <p:cNvPr id="22" name="Rectangle 21">
-            <a:extLst>
-              <a:ext uri="{FF2B5EF4-FFF2-40B4-BE49-F238E27FC236}">
-                <a16:creationId xmlns:a16="http://schemas.microsoft.com/office/drawing/2014/main" id="{A40DE6B1-0B59-4DF4-A40F-CD395542242E}"/>
+          <p:cNvPr id="20" name="Rectangle 19">
+            <a:extLst>
+              <a:ext uri="{FF2B5EF4-FFF2-40B4-BE49-F238E27FC236}">
+                <a16:creationId xmlns:a16="http://schemas.microsoft.com/office/drawing/2014/main" id="{AB566266-B4B7-4712-A84D-4D43EB123DFD}"/>
               </a:ext>
             </a:extLst>
           </p:cNvPr>
@@ -6341,10 +6263,86 @@
           </a:p>
         </p:txBody>
       </p:sp>
+      <p:sp>
+        <p:nvSpPr>
+          <p:cNvPr id="21" name="TextBox 20">
+            <a:extLst>
+              <a:ext uri="{FF2B5EF4-FFF2-40B4-BE49-F238E27FC236}">
+                <a16:creationId xmlns:a16="http://schemas.microsoft.com/office/drawing/2014/main" id="{3F061499-AD01-4D8C-80A3-64EDD516C121}"/>
+              </a:ext>
+            </a:extLst>
+          </p:cNvPr>
+          <p:cNvSpPr txBox="1"/>
+          <p:nvPr/>
+        </p:nvSpPr>
+        <p:spPr>
+          <a:xfrm>
+            <a:off x="2836415" y="3807896"/>
+            <a:ext cx="1269507" cy="369332"/>
+          </a:xfrm>
+          <a:prstGeom prst="rect">
+            <a:avLst/>
+          </a:prstGeom>
+          <a:noFill/>
+        </p:spPr>
+        <p:txBody>
+          <a:bodyPr wrap="square" rtlCol="0">
+            <a:spAutoFit/>
+          </a:bodyPr>
+          <a:lstStyle/>
+          <a:p>
+            <a:r>
+              <a:rPr lang="en-US" dirty="0"/>
+              <a:t>LMF</a:t>
+            </a:r>
+          </a:p>
+        </p:txBody>
+      </p:sp>
+      <p:cxnSp>
+        <p:nvCxnSpPr>
+          <p:cNvPr id="23" name="Straight Arrow Connector 22">
+            <a:extLst>
+              <a:ext uri="{FF2B5EF4-FFF2-40B4-BE49-F238E27FC236}">
+                <a16:creationId xmlns:a16="http://schemas.microsoft.com/office/drawing/2014/main" id="{024B516D-E5EE-4F63-B887-2F368FF1E5AD}"/>
+              </a:ext>
+            </a:extLst>
+          </p:cNvPr>
+          <p:cNvCxnSpPr>
+            <a:cxnSpLocks/>
+          </p:cNvCxnSpPr>
+          <p:nvPr/>
+        </p:nvCxnSpPr>
+        <p:spPr>
+          <a:xfrm>
+            <a:off x="3231472" y="4315727"/>
+            <a:ext cx="479394" cy="345050"/>
+          </a:xfrm>
+          <a:prstGeom prst="straightConnector1">
+            <a:avLst/>
+          </a:prstGeom>
+          <a:ln w="38100">
+            <a:tailEnd type="triangle"/>
+          </a:ln>
+        </p:spPr>
+        <p:style>
+          <a:lnRef idx="1">
+            <a:schemeClr val="accent1"/>
+          </a:lnRef>
+          <a:fillRef idx="0">
+            <a:schemeClr val="accent1"/>
+          </a:fillRef>
+          <a:effectRef idx="0">
+            <a:schemeClr val="accent1"/>
+          </a:effectRef>
+          <a:fontRef idx="minor">
+            <a:schemeClr val="tx1"/>
+          </a:fontRef>
+        </p:style>
+      </p:cxnSp>
     </p:spTree>
     <p:extLst>
       <p:ext uri="{BB962C8B-B14F-4D97-AF65-F5344CB8AC3E}">
-        <p14:creationId xmlns:p14="http://schemas.microsoft.com/office/powerpoint/2010/main" val="2576847802"/>
+        <p14:creationId xmlns:p14="http://schemas.microsoft.com/office/powerpoint/2010/main" val="1567104307"/>
       </p:ext>
     </p:extLst>
   </p:cSld>
@@ -6406,10 +6404,10 @@
       </p:sp>
       <p:pic>
         <p:nvPicPr>
-          <p:cNvPr id="11" name="Picture 10" descr="Chart&#10;&#10;Description automatically generated">
-            <a:extLst>
-              <a:ext uri="{FF2B5EF4-FFF2-40B4-BE49-F238E27FC236}">
-                <a16:creationId xmlns:a16="http://schemas.microsoft.com/office/drawing/2014/main" id="{D8DF29AE-0907-437D-B85E-B6B915B1CCC2}"/>
+          <p:cNvPr id="3" name="Picture 2" descr="Chart&#10;&#10;Description automatically generated">
+            <a:extLst>
+              <a:ext uri="{FF2B5EF4-FFF2-40B4-BE49-F238E27FC236}">
+                <a16:creationId xmlns:a16="http://schemas.microsoft.com/office/drawing/2014/main" id="{7FF99A41-90DF-48D9-AA42-78FC8172BBCE}"/>
               </a:ext>
             </a:extLst>
           </p:cNvPr>
@@ -6442,10 +6440,10 @@
       </p:pic>
       <p:pic>
         <p:nvPicPr>
-          <p:cNvPr id="16" name="Picture 15" descr="Chart, histogram&#10;&#10;Description automatically generated">
-            <a:extLst>
-              <a:ext uri="{FF2B5EF4-FFF2-40B4-BE49-F238E27FC236}">
-                <a16:creationId xmlns:a16="http://schemas.microsoft.com/office/drawing/2014/main" id="{167B4F6F-0C24-4620-B874-960A55D34719}"/>
+          <p:cNvPr id="15" name="Picture 14" descr="Chart, histogram&#10;&#10;Description automatically generated">
+            <a:extLst>
+              <a:ext uri="{FF2B5EF4-FFF2-40B4-BE49-F238E27FC236}">
+                <a16:creationId xmlns:a16="http://schemas.microsoft.com/office/drawing/2014/main" id="{4524A034-79E9-4E59-AB43-F6E229C3C1F6}"/>
               </a:ext>
             </a:extLst>
           </p:cNvPr>
@@ -6478,10 +6476,10 @@
       </p:pic>
       <p:pic>
         <p:nvPicPr>
-          <p:cNvPr id="17" name="Picture 16" descr="Chart&#10;&#10;Description automatically generated">
-            <a:extLst>
-              <a:ext uri="{FF2B5EF4-FFF2-40B4-BE49-F238E27FC236}">
-                <a16:creationId xmlns:a16="http://schemas.microsoft.com/office/drawing/2014/main" id="{3ABF1AFE-BFB6-4603-B4FB-9EBF5773F1B1}"/>
+          <p:cNvPr id="17" name="Picture 16" descr="Chart, line chart&#10;&#10;Description automatically generated">
+            <a:extLst>
+              <a:ext uri="{FF2B5EF4-FFF2-40B4-BE49-F238E27FC236}">
+                <a16:creationId xmlns:a16="http://schemas.microsoft.com/office/drawing/2014/main" id="{1EF1D000-CE6E-4044-97F0-DB2ECBF7B067}"/>
               </a:ext>
             </a:extLst>
           </p:cNvPr>
@@ -6517,7 +6515,7 @@
           <p:cNvPr id="19" name="Rectangle 18">
             <a:extLst>
               <a:ext uri="{FF2B5EF4-FFF2-40B4-BE49-F238E27FC236}">
-                <a16:creationId xmlns:a16="http://schemas.microsoft.com/office/drawing/2014/main" id="{40E8E8A5-2223-48DE-B248-DC225FA63792}"/>
+                <a16:creationId xmlns:a16="http://schemas.microsoft.com/office/drawing/2014/main" id="{E3940AB4-29B5-4E15-82FF-C22179791F08}"/>
               </a:ext>
             </a:extLst>
           </p:cNvPr>
@@ -6567,7 +6565,7 @@
     </p:spTree>
     <p:extLst>
       <p:ext uri="{BB962C8B-B14F-4D97-AF65-F5344CB8AC3E}">
-        <p14:creationId xmlns:p14="http://schemas.microsoft.com/office/powerpoint/2010/main" val="1286968106"/>
+        <p14:creationId xmlns:p14="http://schemas.microsoft.com/office/powerpoint/2010/main" val="2886163851"/>
       </p:ext>
     </p:extLst>
   </p:cSld>
@@ -6632,7 +6630,7 @@
           <p:cNvPr id="3" name="Picture 2" descr="Chart, histogram&#10;&#10;Description automatically generated">
             <a:extLst>
               <a:ext uri="{FF2B5EF4-FFF2-40B4-BE49-F238E27FC236}">
-                <a16:creationId xmlns:a16="http://schemas.microsoft.com/office/drawing/2014/main" id="{D7815FB3-D780-4D35-A23C-4B55FC447615}"/>
+                <a16:creationId xmlns:a16="http://schemas.microsoft.com/office/drawing/2014/main" id="{1BAB6A67-3AA1-4E0D-BFE4-0252C54ADFAC}"/>
               </a:ext>
             </a:extLst>
           </p:cNvPr>
@@ -6668,7 +6666,7 @@
           <p:cNvPr id="15" name="Picture 14" descr="Chart, histogram&#10;&#10;Description automatically generated">
             <a:extLst>
               <a:ext uri="{FF2B5EF4-FFF2-40B4-BE49-F238E27FC236}">
-                <a16:creationId xmlns:a16="http://schemas.microsoft.com/office/drawing/2014/main" id="{44C4131D-3506-474B-95B4-717FD78F9E48}"/>
+                <a16:creationId xmlns:a16="http://schemas.microsoft.com/office/drawing/2014/main" id="{8DD71765-29A3-426E-8D93-F499ACF4FFAC}"/>
               </a:ext>
             </a:extLst>
           </p:cNvPr>
@@ -6701,10 +6699,10 @@
       </p:pic>
       <p:pic>
         <p:nvPicPr>
-          <p:cNvPr id="17" name="Picture 16" descr="A picture containing chart&#10;&#10;Description automatically generated">
-            <a:extLst>
-              <a:ext uri="{FF2B5EF4-FFF2-40B4-BE49-F238E27FC236}">
-                <a16:creationId xmlns:a16="http://schemas.microsoft.com/office/drawing/2014/main" id="{472E0E0F-04C9-4C59-970F-41D92B22449F}"/>
+          <p:cNvPr id="17" name="Picture 16" descr="Chart&#10;&#10;Description automatically generated">
+            <a:extLst>
+              <a:ext uri="{FF2B5EF4-FFF2-40B4-BE49-F238E27FC236}">
+                <a16:creationId xmlns:a16="http://schemas.microsoft.com/office/drawing/2014/main" id="{ACAF4B60-2033-4168-A3EB-027B62B389E7}"/>
               </a:ext>
             </a:extLst>
           </p:cNvPr>
@@ -6740,7 +6738,7 @@
           <p:cNvPr id="19" name="Rectangle 18">
             <a:extLst>
               <a:ext uri="{FF2B5EF4-FFF2-40B4-BE49-F238E27FC236}">
-                <a16:creationId xmlns:a16="http://schemas.microsoft.com/office/drawing/2014/main" id="{2B8F7373-1056-4CFF-80AC-E1D49B848AA4}"/>
+                <a16:creationId xmlns:a16="http://schemas.microsoft.com/office/drawing/2014/main" id="{CAC9FE66-230A-4079-8925-F28BB72C5A0B}"/>
               </a:ext>
             </a:extLst>
           </p:cNvPr>
@@ -6790,7 +6788,7 @@
     </p:spTree>
     <p:extLst>
       <p:ext uri="{BB962C8B-B14F-4D97-AF65-F5344CB8AC3E}">
-        <p14:creationId xmlns:p14="http://schemas.microsoft.com/office/powerpoint/2010/main" val="3067977501"/>
+        <p14:creationId xmlns:p14="http://schemas.microsoft.com/office/powerpoint/2010/main" val="4119763685"/>
       </p:ext>
     </p:extLst>
   </p:cSld>
@@ -7078,7 +7076,7 @@
           <p:cNvPr id="3" name="Picture 2" descr="Chart, histogram&#10;&#10;Description automatically generated">
             <a:extLst>
               <a:ext uri="{FF2B5EF4-FFF2-40B4-BE49-F238E27FC236}">
-                <a16:creationId xmlns:a16="http://schemas.microsoft.com/office/drawing/2014/main" id="{1BAB6A67-3AA1-4E0D-BFE4-0252C54ADFAC}"/>
+                <a16:creationId xmlns:a16="http://schemas.microsoft.com/office/drawing/2014/main" id="{D7815FB3-D780-4D35-A23C-4B55FC447615}"/>
               </a:ext>
             </a:extLst>
           </p:cNvPr>
@@ -7114,7 +7112,7 @@
           <p:cNvPr id="15" name="Picture 14" descr="Chart, histogram&#10;&#10;Description automatically generated">
             <a:extLst>
               <a:ext uri="{FF2B5EF4-FFF2-40B4-BE49-F238E27FC236}">
-                <a16:creationId xmlns:a16="http://schemas.microsoft.com/office/drawing/2014/main" id="{8DD71765-29A3-426E-8D93-F499ACF4FFAC}"/>
+                <a16:creationId xmlns:a16="http://schemas.microsoft.com/office/drawing/2014/main" id="{44C4131D-3506-474B-95B4-717FD78F9E48}"/>
               </a:ext>
             </a:extLst>
           </p:cNvPr>
@@ -7147,10 +7145,10 @@
       </p:pic>
       <p:pic>
         <p:nvPicPr>
-          <p:cNvPr id="17" name="Picture 16" descr="Chart&#10;&#10;Description automatically generated">
-            <a:extLst>
-              <a:ext uri="{FF2B5EF4-FFF2-40B4-BE49-F238E27FC236}">
-                <a16:creationId xmlns:a16="http://schemas.microsoft.com/office/drawing/2014/main" id="{ACAF4B60-2033-4168-A3EB-027B62B389E7}"/>
+          <p:cNvPr id="17" name="Picture 16" descr="A picture containing chart&#10;&#10;Description automatically generated">
+            <a:extLst>
+              <a:ext uri="{FF2B5EF4-FFF2-40B4-BE49-F238E27FC236}">
+                <a16:creationId xmlns:a16="http://schemas.microsoft.com/office/drawing/2014/main" id="{472E0E0F-04C9-4C59-970F-41D92B22449F}"/>
               </a:ext>
             </a:extLst>
           </p:cNvPr>
@@ -7186,7 +7184,7 @@
           <p:cNvPr id="19" name="Rectangle 18">
             <a:extLst>
               <a:ext uri="{FF2B5EF4-FFF2-40B4-BE49-F238E27FC236}">
-                <a16:creationId xmlns:a16="http://schemas.microsoft.com/office/drawing/2014/main" id="{CAC9FE66-230A-4079-8925-F28BB72C5A0B}"/>
+                <a16:creationId xmlns:a16="http://schemas.microsoft.com/office/drawing/2014/main" id="{2B8F7373-1056-4CFF-80AC-E1D49B848AA4}"/>
               </a:ext>
             </a:extLst>
           </p:cNvPr>
@@ -7236,7 +7234,7 @@
     </p:spTree>
     <p:extLst>
       <p:ext uri="{BB962C8B-B14F-4D97-AF65-F5344CB8AC3E}">
-        <p14:creationId xmlns:p14="http://schemas.microsoft.com/office/powerpoint/2010/main" val="4119763685"/>
+        <p14:creationId xmlns:p14="http://schemas.microsoft.com/office/powerpoint/2010/main" val="3067977501"/>
       </p:ext>
     </p:extLst>
   </p:cSld>
@@ -7548,15 +7546,6 @@
 </file>
 
 <file path=customXml/item2.xml><?xml version="1.0" encoding="utf-8"?>
-<?mso-contentType ?>
-<FormTemplates xmlns="http://schemas.microsoft.com/sharepoint/v3/contenttype/forms">
-  <Display>DocumentLibraryForm</Display>
-  <Edit>DocumentLibraryForm</Edit>
-  <New>DocumentLibraryForm</New>
-</FormTemplates>
-</file>
-
-<file path=customXml/item3.xml><?xml version="1.0" encoding="utf-8"?>
 <ct:contentTypeSchema xmlns:ct="http://schemas.microsoft.com/office/2006/metadata/contentType" xmlns:ma="http://schemas.microsoft.com/office/2006/metadata/properties/metaAttributes" ct:_="" ma:_="" ma:contentTypeName="Document" ma:contentTypeID="0x010100678B61A444D69E4A9A20602E1C092D53" ma:contentTypeVersion="7" ma:contentTypeDescription="Create a new document." ma:contentTypeScope="" ma:versionID="eab6674a319847deff9426538165fa0e">
   <xsd:schema xmlns:xsd="http://www.w3.org/2001/XMLSchema" xmlns:xs="http://www.w3.org/2001/XMLSchema" xmlns:p="http://schemas.microsoft.com/office/2006/metadata/properties" xmlns:ns3="d738a0d9-f7f3-41d7-8641-8195baf251ff" xmlns:ns4="cabf7a65-a4fd-4bbc-b3a0-147a688f3e5e" targetNamespace="http://schemas.microsoft.com/office/2006/metadata/properties" ma:root="true" ma:fieldsID="9cc7a6b499c853e180508048ccee0eaf" ns3:_="" ns4:_="">
     <xsd:import namespace="d738a0d9-f7f3-41d7-8641-8195baf251ff"/>
@@ -7741,6 +7730,15 @@
 </ct:contentTypeSchema>
 </file>
 
+<file path=customXml/item3.xml><?xml version="1.0" encoding="utf-8"?>
+<?mso-contentType ?>
+<FormTemplates xmlns="http://schemas.microsoft.com/sharepoint/v3/contenttype/forms">
+  <Display>DocumentLibraryForm</Display>
+  <Edit>DocumentLibraryForm</Edit>
+  <New>DocumentLibraryForm</New>
+</FormTemplates>
+</file>
+
 <file path=customXml/itemProps1.xml><?xml version="1.0" encoding="utf-8"?>
 <ds:datastoreItem xmlns:ds="http://schemas.openxmlformats.org/officeDocument/2006/customXml" ds:itemID="{3BC87E5C-778C-40D0-A6D3-3DE83C6BA816}">
   <ds:schemaRefs>
@@ -7759,14 +7757,6 @@
 </file>
 
 <file path=customXml/itemProps2.xml><?xml version="1.0" encoding="utf-8"?>
-<ds:datastoreItem xmlns:ds="http://schemas.openxmlformats.org/officeDocument/2006/customXml" ds:itemID="{EA5B086E-9652-4EFC-BF73-D5D101373FF4}">
-  <ds:schemaRefs>
-    <ds:schemaRef ds:uri="http://schemas.microsoft.com/sharepoint/v3/contenttype/forms"/>
-  </ds:schemaRefs>
-</ds:datastoreItem>
-</file>
-
-<file path=customXml/itemProps3.xml><?xml version="1.0" encoding="utf-8"?>
 <ds:datastoreItem xmlns:ds="http://schemas.openxmlformats.org/officeDocument/2006/customXml" ds:itemID="{A57B7865-281F-4933-92ED-4036A19D2359}">
   <ds:schemaRefs>
     <ds:schemaRef ds:uri="http://schemas.microsoft.com/office/2006/metadata/contentType"/>
@@ -7783,4 +7773,12 @@
     <ds:schemaRef ds:uri="http://schemas.microsoft.com/internal/obd"/>
   </ds:schemaRefs>
 </ds:datastoreItem>
+</file>
+
+<file path=customXml/itemProps3.xml><?xml version="1.0" encoding="utf-8"?>
+<ds:datastoreItem xmlns:ds="http://schemas.openxmlformats.org/officeDocument/2006/customXml" ds:itemID="{EA5B086E-9652-4EFC-BF73-D5D101373FF4}">
+  <ds:schemaRefs>
+    <ds:schemaRef ds:uri="http://schemas.microsoft.com/sharepoint/v3/contenttype/forms"/>
+  </ds:schemaRefs>
+</ds:datastoreItem>
 </file>